--- a/techreport/MidWB.pptx
+++ b/techreport/MidWB.pptx
@@ -104,6 +104,11 @@
       </a:defRPr>
     </a:lvl9pPr>
   </p:defaultTextStyle>
+  <p:extLst>
+    <p:ext uri="{EFAFB233-063F-42B5-8137-9DF3F51BA10A}">
+      <p15:sldGuideLst xmlns:p15="http://schemas.microsoft.com/office/powerpoint/2012/main"/>
+    </p:ext>
+  </p:extLst>
 </p:presentation>
 </file>
 
@@ -238,7 +243,7 @@
           <a:p>
             <a:fld id="{91BB8A28-BD1C-47F2-B942-3CE4AEA9AEE9}" type="datetimeFigureOut">
               <a:rPr lang="en-US" smtClean="0"/>
-              <a:t>1/3/2015</a:t>
+              <a:t>1/4/2015</a:t>
             </a:fld>
             <a:endParaRPr lang="en-US"/>
           </a:p>
@@ -408,7 +413,7 @@
           <a:p>
             <a:fld id="{91BB8A28-BD1C-47F2-B942-3CE4AEA9AEE9}" type="datetimeFigureOut">
               <a:rPr lang="en-US" smtClean="0"/>
-              <a:t>1/3/2015</a:t>
+              <a:t>1/4/2015</a:t>
             </a:fld>
             <a:endParaRPr lang="en-US"/>
           </a:p>
@@ -588,7 +593,7 @@
           <a:p>
             <a:fld id="{91BB8A28-BD1C-47F2-B942-3CE4AEA9AEE9}" type="datetimeFigureOut">
               <a:rPr lang="en-US" smtClean="0"/>
-              <a:t>1/3/2015</a:t>
+              <a:t>1/4/2015</a:t>
             </a:fld>
             <a:endParaRPr lang="en-US"/>
           </a:p>
@@ -758,7 +763,7 @@
           <a:p>
             <a:fld id="{91BB8A28-BD1C-47F2-B942-3CE4AEA9AEE9}" type="datetimeFigureOut">
               <a:rPr lang="en-US" smtClean="0"/>
-              <a:t>1/3/2015</a:t>
+              <a:t>1/4/2015</a:t>
             </a:fld>
             <a:endParaRPr lang="en-US"/>
           </a:p>
@@ -1004,7 +1009,7 @@
           <a:p>
             <a:fld id="{91BB8A28-BD1C-47F2-B942-3CE4AEA9AEE9}" type="datetimeFigureOut">
               <a:rPr lang="en-US" smtClean="0"/>
-              <a:t>1/3/2015</a:t>
+              <a:t>1/4/2015</a:t>
             </a:fld>
             <a:endParaRPr lang="en-US"/>
           </a:p>
@@ -1236,7 +1241,7 @@
           <a:p>
             <a:fld id="{91BB8A28-BD1C-47F2-B942-3CE4AEA9AEE9}" type="datetimeFigureOut">
               <a:rPr lang="en-US" smtClean="0"/>
-              <a:t>1/3/2015</a:t>
+              <a:t>1/4/2015</a:t>
             </a:fld>
             <a:endParaRPr lang="en-US"/>
           </a:p>
@@ -1603,7 +1608,7 @@
           <a:p>
             <a:fld id="{91BB8A28-BD1C-47F2-B942-3CE4AEA9AEE9}" type="datetimeFigureOut">
               <a:rPr lang="en-US" smtClean="0"/>
-              <a:t>1/3/2015</a:t>
+              <a:t>1/4/2015</a:t>
             </a:fld>
             <a:endParaRPr lang="en-US"/>
           </a:p>
@@ -1721,7 +1726,7 @@
           <a:p>
             <a:fld id="{91BB8A28-BD1C-47F2-B942-3CE4AEA9AEE9}" type="datetimeFigureOut">
               <a:rPr lang="en-US" smtClean="0"/>
-              <a:t>1/3/2015</a:t>
+              <a:t>1/4/2015</a:t>
             </a:fld>
             <a:endParaRPr lang="en-US"/>
           </a:p>
@@ -1816,7 +1821,7 @@
           <a:p>
             <a:fld id="{91BB8A28-BD1C-47F2-B942-3CE4AEA9AEE9}" type="datetimeFigureOut">
               <a:rPr lang="en-US" smtClean="0"/>
-              <a:t>1/3/2015</a:t>
+              <a:t>1/4/2015</a:t>
             </a:fld>
             <a:endParaRPr lang="en-US"/>
           </a:p>
@@ -2093,7 +2098,7 @@
           <a:p>
             <a:fld id="{91BB8A28-BD1C-47F2-B942-3CE4AEA9AEE9}" type="datetimeFigureOut">
               <a:rPr lang="en-US" smtClean="0"/>
-              <a:t>1/3/2015</a:t>
+              <a:t>1/4/2015</a:t>
             </a:fld>
             <a:endParaRPr lang="en-US"/>
           </a:p>
@@ -2350,7 +2355,7 @@
           <a:p>
             <a:fld id="{91BB8A28-BD1C-47F2-B942-3CE4AEA9AEE9}" type="datetimeFigureOut">
               <a:rPr lang="en-US" smtClean="0"/>
-              <a:t>1/3/2015</a:t>
+              <a:t>1/4/2015</a:t>
             </a:fld>
             <a:endParaRPr lang="en-US"/>
           </a:p>
@@ -2563,7 +2568,7 @@
           <a:p>
             <a:fld id="{91BB8A28-BD1C-47F2-B942-3CE4AEA9AEE9}" type="datetimeFigureOut">
               <a:rPr lang="en-US" smtClean="0"/>
-              <a:t>1/3/2015</a:t>
+              <a:t>1/4/2015</a:t>
             </a:fld>
             <a:endParaRPr lang="en-US"/>
           </a:p>
@@ -3884,7 +3889,7 @@
         <p:spPr>
           <a:xfrm>
             <a:off x="7296150" y="944010"/>
-            <a:ext cx="333746" cy="400110"/>
+            <a:ext cx="349776" cy="400110"/>
           </a:xfrm>
           <a:prstGeom prst="rect">
             <a:avLst/>
@@ -3899,8 +3904,9 @@
           <a:p>
             <a:r>
               <a:rPr lang="en-US" sz="2000" dirty="0"/>
-              <a:t>A</a:t>
-            </a:r>
+              <a:t>N</a:t>
+            </a:r>
+            <a:endParaRPr lang="en-US" sz="2000" dirty="0"/>
           </a:p>
         </p:txBody>
       </p:sp>

--- a/techreport/MidWB.pptx
+++ b/techreport/MidWB.pptx
@@ -2981,8 +2981,8 @@
         </p:nvSpPr>
         <p:spPr>
           <a:xfrm>
-            <a:off x="918687" y="1453918"/>
-            <a:ext cx="807244" cy="807244"/>
+            <a:off x="918686" y="1453918"/>
+            <a:ext cx="309185" cy="306302"/>
           </a:xfrm>
           <a:prstGeom prst="ellipse">
             <a:avLst/>
@@ -3027,8 +3027,8 @@
         </p:nvSpPr>
         <p:spPr>
           <a:xfrm>
-            <a:off x="2484251" y="1453918"/>
-            <a:ext cx="807244" cy="807244"/>
+            <a:off x="2004190" y="1453918"/>
+            <a:ext cx="309185" cy="306302"/>
           </a:xfrm>
           <a:prstGeom prst="ellipse">
             <a:avLst/>
@@ -3073,8 +3073,8 @@
         </p:nvSpPr>
         <p:spPr>
           <a:xfrm>
-            <a:off x="4057088" y="1453918"/>
-            <a:ext cx="807244" cy="807244"/>
+            <a:off x="3085537" y="1453918"/>
+            <a:ext cx="309185" cy="306302"/>
           </a:xfrm>
           <a:prstGeom prst="ellipse">
             <a:avLst/>
@@ -3119,8 +3119,8 @@
         </p:nvSpPr>
         <p:spPr>
           <a:xfrm>
-            <a:off x="5621608" y="1453918"/>
-            <a:ext cx="807244" cy="807244"/>
+            <a:off x="4147137" y="1453918"/>
+            <a:ext cx="309185" cy="306302"/>
           </a:xfrm>
           <a:prstGeom prst="ellipse">
             <a:avLst/>
@@ -3165,8 +3165,8 @@
         </p:nvSpPr>
         <p:spPr>
           <a:xfrm>
-            <a:off x="7191673" y="1453918"/>
-            <a:ext cx="807244" cy="807244"/>
+            <a:off x="5214282" y="1453918"/>
+            <a:ext cx="309185" cy="306302"/>
           </a:xfrm>
           <a:prstGeom prst="ellipse">
             <a:avLst/>
@@ -3211,8 +3211,8 @@
         </p:nvSpPr>
         <p:spPr>
           <a:xfrm>
-            <a:off x="8765894" y="1453918"/>
-            <a:ext cx="807244" cy="807244"/>
+            <a:off x="6285583" y="1453918"/>
+            <a:ext cx="309185" cy="306302"/>
           </a:xfrm>
           <a:prstGeom prst="ellipse">
             <a:avLst/>
@@ -3257,7 +3257,7 @@
         </p:nvCxnSpPr>
         <p:spPr>
           <a:xfrm>
-            <a:off x="1725931" y="1873245"/>
+            <a:off x="1234441" y="1607069"/>
             <a:ext cx="758320" cy="0"/>
           </a:xfrm>
           <a:prstGeom prst="straightConnector1">
@@ -3293,7 +3293,7 @@
         </p:nvCxnSpPr>
         <p:spPr>
           <a:xfrm>
-            <a:off x="3318511" y="1873245"/>
+            <a:off x="2335531" y="1607069"/>
             <a:ext cx="758320" cy="0"/>
           </a:xfrm>
           <a:prstGeom prst="straightConnector1">
@@ -3329,8 +3329,8 @@
         </p:nvSpPr>
         <p:spPr>
           <a:xfrm>
-            <a:off x="10327303" y="1453918"/>
-            <a:ext cx="807244" cy="807244"/>
+            <a:off x="7366932" y="1453918"/>
+            <a:ext cx="309185" cy="306302"/>
           </a:xfrm>
           <a:prstGeom prst="ellipse">
             <a:avLst/>
@@ -3375,7 +3375,7 @@
         </p:nvCxnSpPr>
         <p:spPr>
           <a:xfrm>
-            <a:off x="4865371" y="1873245"/>
+            <a:off x="3390901" y="1607069"/>
             <a:ext cx="758320" cy="0"/>
           </a:xfrm>
           <a:prstGeom prst="straightConnector1">
@@ -3411,7 +3411,7 @@
         </p:nvCxnSpPr>
         <p:spPr>
           <a:xfrm>
-            <a:off x="6442711" y="1873245"/>
+            <a:off x="4453891" y="1607069"/>
             <a:ext cx="758320" cy="0"/>
           </a:xfrm>
           <a:prstGeom prst="straightConnector1">
@@ -3447,7 +3447,7 @@
         </p:nvCxnSpPr>
         <p:spPr>
           <a:xfrm>
-            <a:off x="8008621" y="1873245"/>
+            <a:off x="5528311" y="1607069"/>
             <a:ext cx="758320" cy="0"/>
           </a:xfrm>
           <a:prstGeom prst="straightConnector1">
@@ -3483,7 +3483,7 @@
         </p:nvCxnSpPr>
         <p:spPr>
           <a:xfrm>
-            <a:off x="9578341" y="1873245"/>
+            <a:off x="6617971" y="1607069"/>
             <a:ext cx="758320" cy="0"/>
           </a:xfrm>
           <a:prstGeom prst="straightConnector1">
@@ -3519,8 +3519,8 @@
         </p:nvSpPr>
         <p:spPr>
           <a:xfrm>
-            <a:off x="1977390" y="1488840"/>
-            <a:ext cx="309700" cy="400110"/>
+            <a:off x="1485900" y="1225950"/>
+            <a:ext cx="335348" cy="461665"/>
           </a:xfrm>
           <a:prstGeom prst="rect">
             <a:avLst/>
@@ -3534,7 +3534,7 @@
           <a:lstStyle/>
           <a:p>
             <a:r>
-              <a:rPr lang="en-US" sz="2000" dirty="0"/>
+              <a:rPr lang="en-US" sz="2400" dirty="0"/>
               <a:t>Y</a:t>
             </a:r>
           </a:p>
@@ -3548,8 +3548,8 @@
         </p:nvSpPr>
         <p:spPr>
           <a:xfrm>
-            <a:off x="3520440" y="1488840"/>
-            <a:ext cx="324128" cy="400110"/>
+            <a:off x="2537460" y="1237380"/>
+            <a:ext cx="351378" cy="461665"/>
           </a:xfrm>
           <a:prstGeom prst="rect">
             <a:avLst/>
@@ -3563,7 +3563,7 @@
           <a:lstStyle/>
           <a:p>
             <a:r>
-              <a:rPr lang="en-US" sz="2000" dirty="0"/>
+              <a:rPr lang="en-US" sz="2400" dirty="0"/>
               <a:t>R</a:t>
             </a:r>
           </a:p>
@@ -3577,8 +3577,8 @@
         </p:nvSpPr>
         <p:spPr>
           <a:xfrm>
-            <a:off x="5109210" y="1488840"/>
-            <a:ext cx="324128" cy="400110"/>
+            <a:off x="3634740" y="1248810"/>
+            <a:ext cx="351378" cy="461665"/>
           </a:xfrm>
           <a:prstGeom prst="rect">
             <a:avLst/>
@@ -3592,7 +3592,7 @@
           <a:lstStyle/>
           <a:p>
             <a:r>
-              <a:rPr lang="en-US" sz="2000" dirty="0"/>
+              <a:rPr lang="en-US" sz="2400" dirty="0"/>
               <a:t>B</a:t>
             </a:r>
           </a:p>
@@ -3606,8 +3606,8 @@
         </p:nvSpPr>
         <p:spPr>
           <a:xfrm>
-            <a:off x="6652260" y="1488840"/>
-            <a:ext cx="296876" cy="400110"/>
+            <a:off x="4663440" y="1237380"/>
+            <a:ext cx="319318" cy="461665"/>
           </a:xfrm>
           <a:prstGeom prst="rect">
             <a:avLst/>
@@ -3621,12 +3621,12 @@
           <a:lstStyle/>
           <a:p>
             <a:r>
-              <a:rPr lang="en-US" sz="2000" dirty="0">
+              <a:rPr lang="en-US" sz="2400" dirty="0">
                 <a:sym typeface="Symbol" panose="05050102010706020507" pitchFamily="18" charset="2"/>
               </a:rPr>
               <a:t></a:t>
             </a:r>
-            <a:endParaRPr lang="en-US" sz="2000" dirty="0"/>
+            <a:endParaRPr lang="en-US" sz="2400" dirty="0"/>
           </a:p>
         </p:txBody>
       </p:sp>
@@ -3638,8 +3638,8 @@
         </p:nvSpPr>
         <p:spPr>
           <a:xfrm>
-            <a:off x="8241030" y="1488840"/>
-            <a:ext cx="292068" cy="400110"/>
+            <a:off x="5715000" y="1237380"/>
+            <a:ext cx="314510" cy="461665"/>
           </a:xfrm>
           <a:prstGeom prst="rect">
             <a:avLst/>
@@ -3653,7 +3653,7 @@
           <a:lstStyle/>
           <a:p>
             <a:r>
-              <a:rPr lang="en-US" sz="2000" dirty="0"/>
+              <a:rPr lang="en-US" sz="2400" dirty="0"/>
               <a:t>L</a:t>
             </a:r>
           </a:p>
@@ -3667,8 +3667,8 @@
         </p:nvSpPr>
         <p:spPr>
           <a:xfrm>
-            <a:off x="9806940" y="1488840"/>
-            <a:ext cx="309700" cy="400110"/>
+            <a:off x="6846570" y="1237380"/>
+            <a:ext cx="335348" cy="461665"/>
           </a:xfrm>
           <a:prstGeom prst="rect">
             <a:avLst/>
@@ -3682,7 +3682,7 @@
           <a:lstStyle/>
           <a:p>
             <a:r>
-              <a:rPr lang="en-US" sz="2000" dirty="0"/>
+              <a:rPr lang="en-US" sz="2400" dirty="0"/>
               <a:t>Y</a:t>
             </a:r>
           </a:p>
@@ -3696,7 +3696,7 @@
         </p:nvCxnSpPr>
         <p:spPr>
           <a:xfrm>
-            <a:off x="651510" y="1873245"/>
+            <a:off x="651510" y="1607069"/>
             <a:ext cx="262890" cy="0"/>
           </a:xfrm>
           <a:prstGeom prst="straightConnector1">
@@ -3732,8 +3732,8 @@
         </p:nvSpPr>
         <p:spPr>
           <a:xfrm>
-            <a:off x="6383953" y="349018"/>
-            <a:ext cx="807244" cy="807244"/>
+            <a:off x="4669452" y="589048"/>
+            <a:ext cx="309185" cy="306302"/>
           </a:xfrm>
           <a:prstGeom prst="ellipse">
             <a:avLst/>
@@ -3770,9 +3770,70 @@
           </a:p>
         </p:txBody>
       </p:sp>
+      <p:sp>
+        <p:nvSpPr>
+          <p:cNvPr id="43" name="TextBox 42"/>
+          <p:cNvSpPr txBox="1"/>
+          <p:nvPr/>
+        </p:nvSpPr>
+        <p:spPr>
+          <a:xfrm>
+            <a:off x="4210050" y="909720"/>
+            <a:ext cx="319318" cy="461665"/>
+          </a:xfrm>
+          <a:prstGeom prst="rect">
+            <a:avLst/>
+          </a:prstGeom>
+          <a:noFill/>
+        </p:spPr>
+        <p:txBody>
+          <a:bodyPr wrap="none" rtlCol="0">
+            <a:spAutoFit/>
+          </a:bodyPr>
+          <a:lstStyle/>
+          <a:p>
+            <a:r>
+              <a:rPr lang="en-US" sz="2400" dirty="0">
+                <a:sym typeface="Symbol" panose="05050102010706020507" pitchFamily="18" charset="2"/>
+              </a:rPr>
+              <a:t></a:t>
+            </a:r>
+            <a:endParaRPr lang="en-US" sz="2400" dirty="0"/>
+          </a:p>
+        </p:txBody>
+      </p:sp>
+      <p:sp>
+        <p:nvSpPr>
+          <p:cNvPr id="44" name="TextBox 43"/>
+          <p:cNvSpPr txBox="1"/>
+          <p:nvPr/>
+        </p:nvSpPr>
+        <p:spPr>
+          <a:xfrm>
+            <a:off x="5124450" y="909720"/>
+            <a:ext cx="383438" cy="461665"/>
+          </a:xfrm>
+          <a:prstGeom prst="rect">
+            <a:avLst/>
+          </a:prstGeom>
+          <a:noFill/>
+        </p:spPr>
+        <p:txBody>
+          <a:bodyPr wrap="none" rtlCol="0">
+            <a:spAutoFit/>
+          </a:bodyPr>
+          <a:lstStyle/>
+          <a:p>
+            <a:r>
+              <a:rPr lang="en-US" sz="2400" dirty="0"/>
+              <a:t>N</a:t>
+            </a:r>
+          </a:p>
+        </p:txBody>
+      </p:sp>
       <p:cxnSp>
         <p:nvCxnSpPr>
-          <p:cNvPr id="22" name="Straight Arrow Connector 21"/>
+          <p:cNvPr id="21" name="Straight Arrow Connector 20"/>
           <p:cNvCxnSpPr>
             <a:stCxn id="18" idx="0"/>
             <a:endCxn id="37" idx="3"/>
@@ -3781,8 +3842,8 @@
         </p:nvCxnSpPr>
         <p:spPr>
           <a:xfrm flipV="1">
-            <a:off x="6025231" y="1038044"/>
-            <a:ext cx="476941" cy="415874"/>
+            <a:off x="4301730" y="850493"/>
+            <a:ext cx="413001" cy="603425"/>
           </a:xfrm>
           <a:prstGeom prst="straightConnector1">
             <a:avLst/>
@@ -3811,7 +3872,7 @@
       </p:cxnSp>
       <p:cxnSp>
         <p:nvCxnSpPr>
-          <p:cNvPr id="32" name="Straight Arrow Connector 31"/>
+          <p:cNvPr id="30" name="Straight Arrow Connector 29"/>
           <p:cNvCxnSpPr>
             <a:stCxn id="37" idx="5"/>
             <a:endCxn id="19" idx="0"/>
@@ -3820,8 +3881,8 @@
         </p:nvCxnSpPr>
         <p:spPr>
           <a:xfrm>
-            <a:off x="7072979" y="1038044"/>
-            <a:ext cx="522316" cy="415874"/>
+            <a:off x="4933358" y="850493"/>
+            <a:ext cx="435517" cy="603425"/>
           </a:xfrm>
           <a:prstGeom prst="straightConnector1">
             <a:avLst/>
@@ -3848,68 +3909,6 @@
           </a:fontRef>
         </p:style>
       </p:cxnSp>
-      <p:sp>
-        <p:nvSpPr>
-          <p:cNvPr id="43" name="TextBox 42"/>
-          <p:cNvSpPr txBox="1"/>
-          <p:nvPr/>
-        </p:nvSpPr>
-        <p:spPr>
-          <a:xfrm>
-            <a:off x="5981700" y="944010"/>
-            <a:ext cx="296876" cy="400110"/>
-          </a:xfrm>
-          <a:prstGeom prst="rect">
-            <a:avLst/>
-          </a:prstGeom>
-          <a:noFill/>
-        </p:spPr>
-        <p:txBody>
-          <a:bodyPr wrap="none" rtlCol="0">
-            <a:spAutoFit/>
-          </a:bodyPr>
-          <a:lstStyle/>
-          <a:p>
-            <a:r>
-              <a:rPr lang="en-US" sz="2000" dirty="0">
-                <a:sym typeface="Symbol" panose="05050102010706020507" pitchFamily="18" charset="2"/>
-              </a:rPr>
-              <a:t></a:t>
-            </a:r>
-            <a:endParaRPr lang="en-US" sz="2000" dirty="0"/>
-          </a:p>
-        </p:txBody>
-      </p:sp>
-      <p:sp>
-        <p:nvSpPr>
-          <p:cNvPr id="44" name="TextBox 43"/>
-          <p:cNvSpPr txBox="1"/>
-          <p:nvPr/>
-        </p:nvSpPr>
-        <p:spPr>
-          <a:xfrm>
-            <a:off x="7296150" y="944010"/>
-            <a:ext cx="349776" cy="400110"/>
-          </a:xfrm>
-          <a:prstGeom prst="rect">
-            <a:avLst/>
-          </a:prstGeom>
-          <a:noFill/>
-        </p:spPr>
-        <p:txBody>
-          <a:bodyPr wrap="none" rtlCol="0">
-            <a:spAutoFit/>
-          </a:bodyPr>
-          <a:lstStyle/>
-          <a:p>
-            <a:r>
-              <a:rPr lang="en-US" sz="2000" dirty="0"/>
-              <a:t>N</a:t>
-            </a:r>
-            <a:endParaRPr lang="en-US" sz="2000" dirty="0"/>
-          </a:p>
-        </p:txBody>
-      </p:sp>
     </p:spTree>
     <p:extLst>
       <p:ext uri="{BB962C8B-B14F-4D97-AF65-F5344CB8AC3E}">
